--- a/presentations/facility_location.pptx
+++ b/presentations/facility_location.pptx
@@ -145,6 +145,11 @@
       </a:defRPr>
     </a:lvl9pPr>
   </p:defaultTextStyle>
+  <p:extLst>
+    <p:ext uri="{EFAFB233-063F-42B5-8137-9DF3F51BA10A}">
+      <p15:sldGuideLst xmlns:p15="http://schemas.microsoft.com/office/powerpoint/2012/main"/>
+    </p:ext>
+  </p:extLst>
 </p:presentation>
 </file>
 
@@ -1707,7 +1712,7 @@
           <a:p>
             <a:fld id="{1218579F-A514-4026-930B-BCD09A069C65}" type="datetimeFigureOut">
               <a:rPr lang="en-US" smtClean="0"/>
-              <a:t>9/8/2022</a:t>
+              <a:t>9/9/2022</a:t>
             </a:fld>
             <a:endParaRPr lang="en-US"/>
           </a:p>
@@ -1905,7 +1910,7 @@
           <a:p>
             <a:fld id="{1218579F-A514-4026-930B-BCD09A069C65}" type="datetimeFigureOut">
               <a:rPr lang="en-US" smtClean="0"/>
-              <a:t>9/8/2022</a:t>
+              <a:t>9/9/2022</a:t>
             </a:fld>
             <a:endParaRPr lang="en-US"/>
           </a:p>
@@ -2152,7 +2157,7 @@
               </a14:hiddenLine>
             </a:ext>
             <a:ext uri="{FAA26D3D-D897-4be2-8F04-BA451C77F1D7}">
-              <ma14:placeholderFlag xmlns="" xmlns:ma14="http://schemas.microsoft.com/office/mac/drawingml/2011/main" val="1"/>
+              <ma14:placeholderFlag xmlns:ma14="http://schemas.microsoft.com/office/mac/drawingml/2011/main" xmlns="" val="1"/>
             </a:ext>
           </a:extLst>
         </p:spPr>
@@ -2213,7 +2218,7 @@
               </a14:hiddenLine>
             </a:ext>
             <a:ext uri="{FAA26D3D-D897-4be2-8F04-BA451C77F1D7}">
-              <ma14:placeholderFlag xmlns="" xmlns:ma14="http://schemas.microsoft.com/office/mac/drawingml/2011/main" val="1"/>
+              <ma14:placeholderFlag xmlns:ma14="http://schemas.microsoft.com/office/mac/drawingml/2011/main" xmlns="" val="1"/>
             </a:ext>
           </a:extLst>
         </p:spPr>
@@ -6749,7 +6754,12 @@
             <p:ph type="title"/>
           </p:nvPr>
         </p:nvSpPr>
-        <p:spPr/>
+        <p:spPr>
+          <a:xfrm>
+            <a:off x="100236" y="85271"/>
+            <a:ext cx="10972800" cy="812800"/>
+          </a:xfrm>
+        </p:spPr>
         <p:txBody>
           <a:bodyPr/>
           <a:lstStyle/>
